--- a/明星燦爛歌.pptx
+++ b/明星燦爛歌.pptx
@@ -118,6 +118,11 @@
       </a:defRPr>
     </a:lvl9pPr>
   </p:defaultTextStyle>
+  <p:extLst>
+    <p:ext uri="{EFAFB233-063F-42B5-8137-9DF3F51BA10A}">
+      <p15:sldGuideLst xmlns:p15="http://schemas.microsoft.com/office/powerpoint/2012/main"/>
+    </p:ext>
+  </p:extLst>
 </p:presentation>
 </file>
 
@@ -159,7 +164,7 @@
           <a:lstStyle/>
           <a:p>
             <a:r>
-              <a:rPr lang="en-US" altLang="zh-TW" smtClean="0"/>
+              <a:rPr lang="en-US" altLang="zh-TW"/>
               <a:t>Click to edit Master title style</a:t>
             </a:r>
             <a:endParaRPr lang="zh-TW" altLang="en-US"/>
@@ -278,7 +283,7 @@
           </a:lstStyle>
           <a:p>
             <a:r>
-              <a:rPr lang="en-US" altLang="zh-TW" smtClean="0"/>
+              <a:rPr lang="en-US" altLang="zh-TW"/>
               <a:t>Click to edit Master subtitle style</a:t>
             </a:r>
             <a:endParaRPr lang="zh-TW" altLang="en-US"/>
@@ -302,7 +307,7 @@
           <a:p>
             <a:fld id="{E4194EA1-BC88-4F56-9680-25465220B60B}" type="datetimeFigureOut">
               <a:rPr lang="vi-VN" smtClean="0"/>
-              <a:t>11/12/2020</a:t>
+              <a:t>23/12/2023</a:t>
             </a:fld>
             <a:endParaRPr lang="vi-VN"/>
           </a:p>
@@ -396,7 +401,7 @@
           <a:lstStyle/>
           <a:p>
             <a:r>
-              <a:rPr lang="en-US" altLang="zh-TW" smtClean="0"/>
+              <a:rPr lang="en-US" altLang="zh-TW"/>
               <a:t>Click to edit Master title style</a:t>
             </a:r>
             <a:endParaRPr lang="zh-TW" altLang="en-US"/>
@@ -420,35 +425,35 @@
           <a:p>
             <a:pPr lvl="0"/>
             <a:r>
-              <a:rPr lang="en-US" altLang="zh-TW" smtClean="0"/>
+              <a:rPr lang="en-US" altLang="zh-TW"/>
               <a:t>Edit Master text styles</a:t>
             </a:r>
           </a:p>
           <a:p>
             <a:pPr lvl="1"/>
             <a:r>
-              <a:rPr lang="en-US" altLang="zh-TW" smtClean="0"/>
+              <a:rPr lang="en-US" altLang="zh-TW"/>
               <a:t>Second level</a:t>
             </a:r>
           </a:p>
           <a:p>
             <a:pPr lvl="2"/>
             <a:r>
-              <a:rPr lang="en-US" altLang="zh-TW" smtClean="0"/>
+              <a:rPr lang="en-US" altLang="zh-TW"/>
               <a:t>Third level</a:t>
             </a:r>
           </a:p>
           <a:p>
             <a:pPr lvl="3"/>
             <a:r>
-              <a:rPr lang="en-US" altLang="zh-TW" smtClean="0"/>
+              <a:rPr lang="en-US" altLang="zh-TW"/>
               <a:t>Fourth level</a:t>
             </a:r>
           </a:p>
           <a:p>
             <a:pPr lvl="4"/>
             <a:r>
-              <a:rPr lang="en-US" altLang="zh-TW" smtClean="0"/>
+              <a:rPr lang="en-US" altLang="zh-TW"/>
               <a:t>Fifth level</a:t>
             </a:r>
             <a:endParaRPr lang="zh-TW" altLang="en-US"/>
@@ -472,7 +477,7 @@
           <a:p>
             <a:fld id="{E4194EA1-BC88-4F56-9680-25465220B60B}" type="datetimeFigureOut">
               <a:rPr lang="vi-VN" smtClean="0"/>
-              <a:t>11/12/2020</a:t>
+              <a:t>23/12/2023</a:t>
             </a:fld>
             <a:endParaRPr lang="vi-VN"/>
           </a:p>
@@ -571,7 +576,7 @@
           <a:lstStyle/>
           <a:p>
             <a:r>
-              <a:rPr lang="en-US" altLang="zh-TW" smtClean="0"/>
+              <a:rPr lang="en-US" altLang="zh-TW"/>
               <a:t>Click to edit Master title style</a:t>
             </a:r>
             <a:endParaRPr lang="zh-TW" altLang="en-US"/>
@@ -600,35 +605,35 @@
           <a:p>
             <a:pPr lvl="0"/>
             <a:r>
-              <a:rPr lang="en-US" altLang="zh-TW" smtClean="0"/>
+              <a:rPr lang="en-US" altLang="zh-TW"/>
               <a:t>Edit Master text styles</a:t>
             </a:r>
           </a:p>
           <a:p>
             <a:pPr lvl="1"/>
             <a:r>
-              <a:rPr lang="en-US" altLang="zh-TW" smtClean="0"/>
+              <a:rPr lang="en-US" altLang="zh-TW"/>
               <a:t>Second level</a:t>
             </a:r>
           </a:p>
           <a:p>
             <a:pPr lvl="2"/>
             <a:r>
-              <a:rPr lang="en-US" altLang="zh-TW" smtClean="0"/>
+              <a:rPr lang="en-US" altLang="zh-TW"/>
               <a:t>Third level</a:t>
             </a:r>
           </a:p>
           <a:p>
             <a:pPr lvl="3"/>
             <a:r>
-              <a:rPr lang="en-US" altLang="zh-TW" smtClean="0"/>
+              <a:rPr lang="en-US" altLang="zh-TW"/>
               <a:t>Fourth level</a:t>
             </a:r>
           </a:p>
           <a:p>
             <a:pPr lvl="4"/>
             <a:r>
-              <a:rPr lang="en-US" altLang="zh-TW" smtClean="0"/>
+              <a:rPr lang="en-US" altLang="zh-TW"/>
               <a:t>Fifth level</a:t>
             </a:r>
             <a:endParaRPr lang="zh-TW" altLang="en-US"/>
@@ -652,7 +657,7 @@
           <a:p>
             <a:fld id="{E4194EA1-BC88-4F56-9680-25465220B60B}" type="datetimeFigureOut">
               <a:rPr lang="vi-VN" smtClean="0"/>
-              <a:t>11/12/2020</a:t>
+              <a:t>23/12/2023</a:t>
             </a:fld>
             <a:endParaRPr lang="vi-VN"/>
           </a:p>
@@ -746,7 +751,7 @@
           <a:lstStyle/>
           <a:p>
             <a:r>
-              <a:rPr lang="en-US" altLang="zh-TW" smtClean="0"/>
+              <a:rPr lang="en-US" altLang="zh-TW"/>
               <a:t>Click to edit Master title style</a:t>
             </a:r>
             <a:endParaRPr lang="zh-TW" altLang="en-US"/>
@@ -770,35 +775,35 @@
           <a:p>
             <a:pPr lvl="0"/>
             <a:r>
-              <a:rPr lang="en-US" altLang="zh-TW" smtClean="0"/>
+              <a:rPr lang="en-US" altLang="zh-TW"/>
               <a:t>Edit Master text styles</a:t>
             </a:r>
           </a:p>
           <a:p>
             <a:pPr lvl="1"/>
             <a:r>
-              <a:rPr lang="en-US" altLang="zh-TW" smtClean="0"/>
+              <a:rPr lang="en-US" altLang="zh-TW"/>
               <a:t>Second level</a:t>
             </a:r>
           </a:p>
           <a:p>
             <a:pPr lvl="2"/>
             <a:r>
-              <a:rPr lang="en-US" altLang="zh-TW" smtClean="0"/>
+              <a:rPr lang="en-US" altLang="zh-TW"/>
               <a:t>Third level</a:t>
             </a:r>
           </a:p>
           <a:p>
             <a:pPr lvl="3"/>
             <a:r>
-              <a:rPr lang="en-US" altLang="zh-TW" smtClean="0"/>
+              <a:rPr lang="en-US" altLang="zh-TW"/>
               <a:t>Fourth level</a:t>
             </a:r>
           </a:p>
           <a:p>
             <a:pPr lvl="4"/>
             <a:r>
-              <a:rPr lang="en-US" altLang="zh-TW" smtClean="0"/>
+              <a:rPr lang="en-US" altLang="zh-TW"/>
               <a:t>Fifth level</a:t>
             </a:r>
             <a:endParaRPr lang="zh-TW" altLang="en-US"/>
@@ -822,7 +827,7 @@
           <a:p>
             <a:fld id="{E4194EA1-BC88-4F56-9680-25465220B60B}" type="datetimeFigureOut">
               <a:rPr lang="vi-VN" smtClean="0"/>
-              <a:t>11/12/2020</a:t>
+              <a:t>23/12/2023</a:t>
             </a:fld>
             <a:endParaRPr lang="vi-VN"/>
           </a:p>
@@ -925,7 +930,7 @@
           </a:lstStyle>
           <a:p>
             <a:r>
-              <a:rPr lang="en-US" altLang="zh-TW" smtClean="0"/>
+              <a:rPr lang="en-US" altLang="zh-TW"/>
               <a:t>Click to edit Master title style</a:t>
             </a:r>
             <a:endParaRPr lang="zh-TW" altLang="en-US"/>
@@ -1045,7 +1050,7 @@
           <a:p>
             <a:pPr lvl="0"/>
             <a:r>
-              <a:rPr lang="en-US" altLang="zh-TW" smtClean="0"/>
+              <a:rPr lang="en-US" altLang="zh-TW"/>
               <a:t>Edit Master text styles</a:t>
             </a:r>
           </a:p>
@@ -1068,7 +1073,7 @@
           <a:p>
             <a:fld id="{E4194EA1-BC88-4F56-9680-25465220B60B}" type="datetimeFigureOut">
               <a:rPr lang="vi-VN" smtClean="0"/>
-              <a:t>11/12/2020</a:t>
+              <a:t>23/12/2023</a:t>
             </a:fld>
             <a:endParaRPr lang="vi-VN"/>
           </a:p>
@@ -1162,7 +1167,7 @@
           <a:lstStyle/>
           <a:p>
             <a:r>
-              <a:rPr lang="en-US" altLang="zh-TW" smtClean="0"/>
+              <a:rPr lang="en-US" altLang="zh-TW"/>
               <a:t>Click to edit Master title style</a:t>
             </a:r>
             <a:endParaRPr lang="zh-TW" altLang="en-US"/>
@@ -1219,35 +1224,35 @@
           <a:p>
             <a:pPr lvl="0"/>
             <a:r>
-              <a:rPr lang="en-US" altLang="zh-TW" smtClean="0"/>
+              <a:rPr lang="en-US" altLang="zh-TW"/>
               <a:t>Edit Master text styles</a:t>
             </a:r>
           </a:p>
           <a:p>
             <a:pPr lvl="1"/>
             <a:r>
-              <a:rPr lang="en-US" altLang="zh-TW" smtClean="0"/>
+              <a:rPr lang="en-US" altLang="zh-TW"/>
               <a:t>Second level</a:t>
             </a:r>
           </a:p>
           <a:p>
             <a:pPr lvl="2"/>
             <a:r>
-              <a:rPr lang="en-US" altLang="zh-TW" smtClean="0"/>
+              <a:rPr lang="en-US" altLang="zh-TW"/>
               <a:t>Third level</a:t>
             </a:r>
           </a:p>
           <a:p>
             <a:pPr lvl="3"/>
             <a:r>
-              <a:rPr lang="en-US" altLang="zh-TW" smtClean="0"/>
+              <a:rPr lang="en-US" altLang="zh-TW"/>
               <a:t>Fourth level</a:t>
             </a:r>
           </a:p>
           <a:p>
             <a:pPr lvl="4"/>
             <a:r>
-              <a:rPr lang="en-US" altLang="zh-TW" smtClean="0"/>
+              <a:rPr lang="en-US" altLang="zh-TW"/>
               <a:t>Fifth level</a:t>
             </a:r>
             <a:endParaRPr lang="zh-TW" altLang="en-US"/>
@@ -1304,35 +1309,35 @@
           <a:p>
             <a:pPr lvl="0"/>
             <a:r>
-              <a:rPr lang="en-US" altLang="zh-TW" smtClean="0"/>
+              <a:rPr lang="en-US" altLang="zh-TW"/>
               <a:t>Edit Master text styles</a:t>
             </a:r>
           </a:p>
           <a:p>
             <a:pPr lvl="1"/>
             <a:r>
-              <a:rPr lang="en-US" altLang="zh-TW" smtClean="0"/>
+              <a:rPr lang="en-US" altLang="zh-TW"/>
               <a:t>Second level</a:t>
             </a:r>
           </a:p>
           <a:p>
             <a:pPr lvl="2"/>
             <a:r>
-              <a:rPr lang="en-US" altLang="zh-TW" smtClean="0"/>
+              <a:rPr lang="en-US" altLang="zh-TW"/>
               <a:t>Third level</a:t>
             </a:r>
           </a:p>
           <a:p>
             <a:pPr lvl="3"/>
             <a:r>
-              <a:rPr lang="en-US" altLang="zh-TW" smtClean="0"/>
+              <a:rPr lang="en-US" altLang="zh-TW"/>
               <a:t>Fourth level</a:t>
             </a:r>
           </a:p>
           <a:p>
             <a:pPr lvl="4"/>
             <a:r>
-              <a:rPr lang="en-US" altLang="zh-TW" smtClean="0"/>
+              <a:rPr lang="en-US" altLang="zh-TW"/>
               <a:t>Fifth level</a:t>
             </a:r>
             <a:endParaRPr lang="zh-TW" altLang="en-US"/>
@@ -1356,7 +1361,7 @@
           <a:p>
             <a:fld id="{E4194EA1-BC88-4F56-9680-25465220B60B}" type="datetimeFigureOut">
               <a:rPr lang="vi-VN" smtClean="0"/>
-              <a:t>11/12/2020</a:t>
+              <a:t>23/12/2023</a:t>
             </a:fld>
             <a:endParaRPr lang="vi-VN"/>
           </a:p>
@@ -1454,7 +1459,7 @@
           </a:lstStyle>
           <a:p>
             <a:r>
-              <a:rPr lang="en-US" altLang="zh-TW" smtClean="0"/>
+              <a:rPr lang="en-US" altLang="zh-TW"/>
               <a:t>Click to edit Master title style</a:t>
             </a:r>
             <a:endParaRPr lang="zh-TW" altLang="en-US"/>
@@ -1520,7 +1525,7 @@
           <a:p>
             <a:pPr lvl="0"/>
             <a:r>
-              <a:rPr lang="en-US" altLang="zh-TW" smtClean="0"/>
+              <a:rPr lang="en-US" altLang="zh-TW"/>
               <a:t>Edit Master text styles</a:t>
             </a:r>
           </a:p>
@@ -1576,35 +1581,35 @@
           <a:p>
             <a:pPr lvl="0"/>
             <a:r>
-              <a:rPr lang="en-US" altLang="zh-TW" smtClean="0"/>
+              <a:rPr lang="en-US" altLang="zh-TW"/>
               <a:t>Edit Master text styles</a:t>
             </a:r>
           </a:p>
           <a:p>
             <a:pPr lvl="1"/>
             <a:r>
-              <a:rPr lang="en-US" altLang="zh-TW" smtClean="0"/>
+              <a:rPr lang="en-US" altLang="zh-TW"/>
               <a:t>Second level</a:t>
             </a:r>
           </a:p>
           <a:p>
             <a:pPr lvl="2"/>
             <a:r>
-              <a:rPr lang="en-US" altLang="zh-TW" smtClean="0"/>
+              <a:rPr lang="en-US" altLang="zh-TW"/>
               <a:t>Third level</a:t>
             </a:r>
           </a:p>
           <a:p>
             <a:pPr lvl="3"/>
             <a:r>
-              <a:rPr lang="en-US" altLang="zh-TW" smtClean="0"/>
+              <a:rPr lang="en-US" altLang="zh-TW"/>
               <a:t>Fourth level</a:t>
             </a:r>
           </a:p>
           <a:p>
             <a:pPr lvl="4"/>
             <a:r>
-              <a:rPr lang="en-US" altLang="zh-TW" smtClean="0"/>
+              <a:rPr lang="en-US" altLang="zh-TW"/>
               <a:t>Fifth level</a:t>
             </a:r>
             <a:endParaRPr lang="zh-TW" altLang="en-US"/>
@@ -1670,7 +1675,7 @@
           <a:p>
             <a:pPr lvl="0"/>
             <a:r>
-              <a:rPr lang="en-US" altLang="zh-TW" smtClean="0"/>
+              <a:rPr lang="en-US" altLang="zh-TW"/>
               <a:t>Edit Master text styles</a:t>
             </a:r>
           </a:p>
@@ -1726,35 +1731,35 @@
           <a:p>
             <a:pPr lvl="0"/>
             <a:r>
-              <a:rPr lang="en-US" altLang="zh-TW" smtClean="0"/>
+              <a:rPr lang="en-US" altLang="zh-TW"/>
               <a:t>Edit Master text styles</a:t>
             </a:r>
           </a:p>
           <a:p>
             <a:pPr lvl="1"/>
             <a:r>
-              <a:rPr lang="en-US" altLang="zh-TW" smtClean="0"/>
+              <a:rPr lang="en-US" altLang="zh-TW"/>
               <a:t>Second level</a:t>
             </a:r>
           </a:p>
           <a:p>
             <a:pPr lvl="2"/>
             <a:r>
-              <a:rPr lang="en-US" altLang="zh-TW" smtClean="0"/>
+              <a:rPr lang="en-US" altLang="zh-TW"/>
               <a:t>Third level</a:t>
             </a:r>
           </a:p>
           <a:p>
             <a:pPr lvl="3"/>
             <a:r>
-              <a:rPr lang="en-US" altLang="zh-TW" smtClean="0"/>
+              <a:rPr lang="en-US" altLang="zh-TW"/>
               <a:t>Fourth level</a:t>
             </a:r>
           </a:p>
           <a:p>
             <a:pPr lvl="4"/>
             <a:r>
-              <a:rPr lang="en-US" altLang="zh-TW" smtClean="0"/>
+              <a:rPr lang="en-US" altLang="zh-TW"/>
               <a:t>Fifth level</a:t>
             </a:r>
             <a:endParaRPr lang="zh-TW" altLang="en-US"/>
@@ -1778,7 +1783,7 @@
           <a:p>
             <a:fld id="{E4194EA1-BC88-4F56-9680-25465220B60B}" type="datetimeFigureOut">
               <a:rPr lang="vi-VN" smtClean="0"/>
-              <a:t>11/12/2020</a:t>
+              <a:t>23/12/2023</a:t>
             </a:fld>
             <a:endParaRPr lang="vi-VN"/>
           </a:p>
@@ -1872,7 +1877,7 @@
           <a:lstStyle/>
           <a:p>
             <a:r>
-              <a:rPr lang="en-US" altLang="zh-TW" smtClean="0"/>
+              <a:rPr lang="en-US" altLang="zh-TW"/>
               <a:t>Click to edit Master title style</a:t>
             </a:r>
             <a:endParaRPr lang="zh-TW" altLang="en-US"/>
@@ -1896,7 +1901,7 @@
           <a:p>
             <a:fld id="{E4194EA1-BC88-4F56-9680-25465220B60B}" type="datetimeFigureOut">
               <a:rPr lang="vi-VN" smtClean="0"/>
-              <a:t>11/12/2020</a:t>
+              <a:t>23/12/2023</a:t>
             </a:fld>
             <a:endParaRPr lang="vi-VN"/>
           </a:p>
@@ -1991,7 +1996,7 @@
           <a:p>
             <a:fld id="{E4194EA1-BC88-4F56-9680-25465220B60B}" type="datetimeFigureOut">
               <a:rPr lang="vi-VN" smtClean="0"/>
-              <a:t>11/12/2020</a:t>
+              <a:t>23/12/2023</a:t>
             </a:fld>
             <a:endParaRPr lang="vi-VN"/>
           </a:p>
@@ -2094,7 +2099,7 @@
           </a:lstStyle>
           <a:p>
             <a:r>
-              <a:rPr lang="en-US" altLang="zh-TW" smtClean="0"/>
+              <a:rPr lang="en-US" altLang="zh-TW"/>
               <a:t>Click to edit Master title style</a:t>
             </a:r>
             <a:endParaRPr lang="zh-TW" altLang="en-US"/>
@@ -2151,35 +2156,35 @@
           <a:p>
             <a:pPr lvl="0"/>
             <a:r>
-              <a:rPr lang="en-US" altLang="zh-TW" smtClean="0"/>
+              <a:rPr lang="en-US" altLang="zh-TW"/>
               <a:t>Edit Master text styles</a:t>
             </a:r>
           </a:p>
           <a:p>
             <a:pPr lvl="1"/>
             <a:r>
-              <a:rPr lang="en-US" altLang="zh-TW" smtClean="0"/>
+              <a:rPr lang="en-US" altLang="zh-TW"/>
               <a:t>Second level</a:t>
             </a:r>
           </a:p>
           <a:p>
             <a:pPr lvl="2"/>
             <a:r>
-              <a:rPr lang="en-US" altLang="zh-TW" smtClean="0"/>
+              <a:rPr lang="en-US" altLang="zh-TW"/>
               <a:t>Third level</a:t>
             </a:r>
           </a:p>
           <a:p>
             <a:pPr lvl="3"/>
             <a:r>
-              <a:rPr lang="en-US" altLang="zh-TW" smtClean="0"/>
+              <a:rPr lang="en-US" altLang="zh-TW"/>
               <a:t>Fourth level</a:t>
             </a:r>
           </a:p>
           <a:p>
             <a:pPr lvl="4"/>
             <a:r>
-              <a:rPr lang="en-US" altLang="zh-TW" smtClean="0"/>
+              <a:rPr lang="en-US" altLang="zh-TW"/>
               <a:t>Fifth level</a:t>
             </a:r>
             <a:endParaRPr lang="zh-TW" altLang="en-US"/>
@@ -2245,7 +2250,7 @@
           <a:p>
             <a:pPr lvl="0"/>
             <a:r>
-              <a:rPr lang="en-US" altLang="zh-TW" smtClean="0"/>
+              <a:rPr lang="en-US" altLang="zh-TW"/>
               <a:t>Edit Master text styles</a:t>
             </a:r>
           </a:p>
@@ -2268,7 +2273,7 @@
           <a:p>
             <a:fld id="{E4194EA1-BC88-4F56-9680-25465220B60B}" type="datetimeFigureOut">
               <a:rPr lang="vi-VN" smtClean="0"/>
-              <a:t>11/12/2020</a:t>
+              <a:t>23/12/2023</a:t>
             </a:fld>
             <a:endParaRPr lang="vi-VN"/>
           </a:p>
@@ -2371,7 +2376,7 @@
           </a:lstStyle>
           <a:p>
             <a:r>
-              <a:rPr lang="en-US" altLang="zh-TW" smtClean="0"/>
+              <a:rPr lang="en-US" altLang="zh-TW"/>
               <a:t>Click to edit Master title style</a:t>
             </a:r>
             <a:endParaRPr lang="zh-TW" altLang="en-US"/>
@@ -2436,7 +2441,7 @@
           </a:lstStyle>
           <a:p>
             <a:r>
-              <a:rPr lang="en-US" altLang="zh-TW" smtClean="0"/>
+              <a:rPr lang="en-US" altLang="zh-TW"/>
               <a:t>Click icon to add picture</a:t>
             </a:r>
             <a:endParaRPr lang="zh-TW" altLang="en-US"/>
@@ -2502,7 +2507,7 @@
           <a:p>
             <a:pPr lvl="0"/>
             <a:r>
-              <a:rPr lang="en-US" altLang="zh-TW" smtClean="0"/>
+              <a:rPr lang="en-US" altLang="zh-TW"/>
               <a:t>Edit Master text styles</a:t>
             </a:r>
           </a:p>
@@ -2525,7 +2530,7 @@
           <a:p>
             <a:fld id="{E4194EA1-BC88-4F56-9680-25465220B60B}" type="datetimeFigureOut">
               <a:rPr lang="vi-VN" smtClean="0"/>
-              <a:t>11/12/2020</a:t>
+              <a:t>23/12/2023</a:t>
             </a:fld>
             <a:endParaRPr lang="vi-VN"/>
           </a:p>
@@ -2639,10 +2644,9 @@
           <a:lstStyle/>
           <a:p>
             <a:r>
-              <a:rPr lang="zh-TW" altLang="en-US" smtClean="0"/>
+              <a:rPr lang="zh-TW" altLang="en-US"/>
               <a:t>按一下以編輯母片標題樣式</a:t>
             </a:r>
-            <a:endParaRPr lang="zh-TW" altLang="en-US"/>
           </a:p>
         </p:txBody>
       </p:sp>
@@ -2673,38 +2677,37 @@
           <a:p>
             <a:pPr lvl="0"/>
             <a:r>
-              <a:rPr lang="zh-TW" altLang="en-US" smtClean="0"/>
+              <a:rPr lang="zh-TW" altLang="en-US"/>
               <a:t>按一下以編輯母片文字樣式</a:t>
             </a:r>
           </a:p>
           <a:p>
             <a:pPr lvl="1"/>
             <a:r>
-              <a:rPr lang="zh-TW" altLang="en-US" smtClean="0"/>
+              <a:rPr lang="zh-TW" altLang="en-US"/>
               <a:t>第二層</a:t>
             </a:r>
           </a:p>
           <a:p>
             <a:pPr lvl="2"/>
             <a:r>
-              <a:rPr lang="zh-TW" altLang="en-US" smtClean="0"/>
+              <a:rPr lang="zh-TW" altLang="en-US"/>
               <a:t>第三層</a:t>
             </a:r>
           </a:p>
           <a:p>
             <a:pPr lvl="3"/>
             <a:r>
-              <a:rPr lang="zh-TW" altLang="en-US" smtClean="0"/>
+              <a:rPr lang="zh-TW" altLang="en-US"/>
               <a:t>第四層</a:t>
             </a:r>
           </a:p>
           <a:p>
             <a:pPr lvl="4"/>
             <a:r>
-              <a:rPr lang="zh-TW" altLang="en-US" smtClean="0"/>
+              <a:rPr lang="zh-TW" altLang="en-US"/>
               <a:t>第五層</a:t>
             </a:r>
-            <a:endParaRPr lang="zh-TW" altLang="en-US"/>
           </a:p>
         </p:txBody>
       </p:sp>
@@ -2743,7 +2746,7 @@
           <a:p>
             <a:fld id="{E4194EA1-BC88-4F56-9680-25465220B60B}" type="datetimeFigureOut">
               <a:rPr lang="vi-VN" smtClean="0"/>
-              <a:t>11/12/2020</a:t>
+              <a:t>23/12/2023</a:t>
             </a:fld>
             <a:endParaRPr lang="vi-VN"/>
           </a:p>
@@ -3155,24 +3158,7 @@
                 <a:latin typeface="微軟正黑體" pitchFamily="34" charset="-120"/>
                 <a:ea typeface="微軟正黑體" pitchFamily="34" charset="-120"/>
               </a:rPr>
-              <a:t>明</a:t>
-            </a:r>
-            <a:r>
-              <a:rPr lang="zh-CN" altLang="en-US" sz="7200" b="1" i="1" dirty="0">
-                <a:solidFill>
-                  <a:srgbClr val="660033"/>
-                </a:solidFill>
-                <a:effectLst>
-                  <a:outerShdw blurRad="38100" dist="38100" dir="2700000" algn="tl">
-                    <a:srgbClr val="000000">
-                      <a:alpha val="43137"/>
-                    </a:srgbClr>
-                  </a:outerShdw>
-                </a:effectLst>
-                <a:latin typeface="微軟正黑體" pitchFamily="34" charset="-120"/>
-                <a:ea typeface="微軟正黑體" pitchFamily="34" charset="-120"/>
-              </a:rPr>
-              <a:t>星燦爛歌</a:t>
+              <a:t>明星燦爛歌</a:t>
             </a:r>
             <a:endParaRPr lang="zh-TW" altLang="en-US" sz="7200" b="1" i="1" dirty="0">
               <a:solidFill>
@@ -3254,17 +3240,7 @@
                 <a:latin typeface="Microsoft JhengHei" pitchFamily="34" charset="-120"/>
                 <a:ea typeface="Microsoft JhengHei" pitchFamily="34" charset="-120"/>
               </a:rPr>
-              <a:t>纔離帝座臨下</a:t>
-            </a:r>
-            <a:r>
-              <a:rPr lang="zh-TW" altLang="en-US" sz="6400" b="1" dirty="0">
-                <a:solidFill>
-                  <a:srgbClr val="660033"/>
-                </a:solidFill>
-                <a:latin typeface="Microsoft JhengHei" pitchFamily="34" charset="-120"/>
-                <a:ea typeface="Microsoft JhengHei" pitchFamily="34" charset="-120"/>
-              </a:rPr>
-              <a:t>界</a:t>
+              <a:t>纔離帝座臨下界</a:t>
             </a:r>
             <a:endParaRPr lang="en-US" altLang="zh-TW" sz="6400" b="1" dirty="0">
               <a:solidFill>
@@ -3286,17 +3262,7 @@
                 <a:latin typeface="Microsoft JhengHei" pitchFamily="34" charset="-120"/>
                 <a:ea typeface="Microsoft JhengHei" pitchFamily="34" charset="-120"/>
               </a:rPr>
-              <a:t>人</a:t>
-            </a:r>
-            <a:r>
-              <a:rPr lang="zh-TW" altLang="en-US" sz="6400" b="1" dirty="0">
-                <a:solidFill>
-                  <a:srgbClr val="660033"/>
-                </a:solidFill>
-                <a:latin typeface="Microsoft JhengHei" pitchFamily="34" charset="-120"/>
-                <a:ea typeface="Microsoft JhengHei" pitchFamily="34" charset="-120"/>
-              </a:rPr>
-              <a:t>世艱辛已備嘗</a:t>
+              <a:t>人世艱辛已備嘗</a:t>
             </a:r>
             <a:endParaRPr lang="en-US" altLang="zh-TW" sz="6400" b="1" dirty="0">
               <a:solidFill>
@@ -3310,14 +3276,20 @@
       </p:sp>
       <p:sp>
         <p:nvSpPr>
-          <p:cNvPr id="3" name="TextBox 2"/>
+          <p:cNvPr id="2" name="TextBox 1">
+            <a:extLst>
+              <a:ext uri="{FF2B5EF4-FFF2-40B4-BE49-F238E27FC236}">
+                <a16:creationId xmlns:a16="http://schemas.microsoft.com/office/drawing/2014/main" id="{2C914BCB-5977-E721-3AB6-BE7AF4AF69D2}"/>
+              </a:ext>
+            </a:extLst>
+          </p:cNvPr>
           <p:cNvSpPr txBox="1"/>
           <p:nvPr/>
         </p:nvSpPr>
         <p:spPr>
           <a:xfrm>
-            <a:off x="1007435" y="2372883"/>
-            <a:ext cx="1248139" cy="1077218"/>
+            <a:off x="0" y="4949828"/>
+            <a:ext cx="12192000" cy="646331"/>
           </a:xfrm>
           <a:prstGeom prst="rect">
             <a:avLst/>
@@ -3330,15 +3302,16 @@
           </a:bodyPr>
           <a:lstStyle/>
           <a:p>
-            <a:r>
-              <a:rPr lang="en-US" sz="6400" b="1" dirty="0">
+            <a:pPr algn="ctr"/>
+            <a:r>
+              <a:rPr lang="en-US" sz="3600" b="1" dirty="0">
                 <a:solidFill>
                   <a:srgbClr val="660033"/>
                 </a:solidFill>
               </a:rPr>
-              <a:t>2.</a:t>
-            </a:r>
-            <a:endParaRPr lang="vi-VN" sz="6400" b="1" dirty="0">
+              <a:t>( 2 / 3 )</a:t>
+            </a:r>
+            <a:endParaRPr lang="vi-VN" sz="3600" b="1" dirty="0">
               <a:solidFill>
                 <a:srgbClr val="660033"/>
               </a:solidFill>
@@ -3356,13 +3329,6 @@
   <p:clrMapOvr>
     <a:masterClrMapping/>
   </p:clrMapOvr>
-  <p:timing>
-    <p:tnLst>
-      <p:par>
-        <p:cTn id="1" dur="indefinite" restart="never" nodeType="tmRoot"/>
-      </p:par>
-    </p:tnLst>
-  </p:timing>
 </p:sld>
 </file>
 
@@ -3416,17 +3382,7 @@
                 <a:latin typeface="Microsoft JhengHei" pitchFamily="34" charset="-120"/>
                 <a:ea typeface="Microsoft JhengHei" pitchFamily="34" charset="-120"/>
               </a:rPr>
-              <a:t>至高榮耀歸上</a:t>
-            </a:r>
-            <a:r>
-              <a:rPr lang="zh-TW" altLang="en-US" sz="6400" b="1" dirty="0">
-                <a:solidFill>
-                  <a:srgbClr val="660033"/>
-                </a:solidFill>
-                <a:latin typeface="Microsoft JhengHei" pitchFamily="34" charset="-120"/>
-                <a:ea typeface="Microsoft JhengHei" pitchFamily="34" charset="-120"/>
-              </a:rPr>
-              <a:t>主</a:t>
+              <a:t>至高榮耀歸上主</a:t>
             </a:r>
             <a:endParaRPr lang="en-US" altLang="zh-TW" sz="6400" b="1" dirty="0">
               <a:solidFill>
@@ -3448,17 +3404,7 @@
                 <a:latin typeface="Microsoft JhengHei" pitchFamily="34" charset="-120"/>
                 <a:ea typeface="Microsoft JhengHei" pitchFamily="34" charset="-120"/>
               </a:rPr>
-              <a:t>全</a:t>
-            </a:r>
-            <a:r>
-              <a:rPr lang="zh-TW" altLang="en-US" sz="6400" b="1" dirty="0">
-                <a:solidFill>
-                  <a:srgbClr val="660033"/>
-                </a:solidFill>
-                <a:latin typeface="Microsoft JhengHei" pitchFamily="34" charset="-120"/>
-                <a:ea typeface="Microsoft JhengHei" pitchFamily="34" charset="-120"/>
-              </a:rPr>
-              <a:t>地人民福無彊</a:t>
+              <a:t>全地人民福無彊</a:t>
             </a:r>
             <a:endParaRPr lang="en-US" altLang="zh-TW" sz="6400" b="1" dirty="0">
               <a:solidFill>
@@ -3472,14 +3418,20 @@
       </p:sp>
       <p:sp>
         <p:nvSpPr>
-          <p:cNvPr id="3" name="TextBox 2"/>
+          <p:cNvPr id="2" name="TextBox 1">
+            <a:extLst>
+              <a:ext uri="{FF2B5EF4-FFF2-40B4-BE49-F238E27FC236}">
+                <a16:creationId xmlns:a16="http://schemas.microsoft.com/office/drawing/2014/main" id="{AC71B44F-A366-A198-CC01-6C44967E3544}"/>
+              </a:ext>
+            </a:extLst>
+          </p:cNvPr>
           <p:cNvSpPr txBox="1"/>
           <p:nvPr/>
         </p:nvSpPr>
         <p:spPr>
           <a:xfrm>
-            <a:off x="1007435" y="2372883"/>
-            <a:ext cx="1248139" cy="1077218"/>
+            <a:off x="0" y="4949828"/>
+            <a:ext cx="12192000" cy="646331"/>
           </a:xfrm>
           <a:prstGeom prst="rect">
             <a:avLst/>
@@ -3492,15 +3444,16 @@
           </a:bodyPr>
           <a:lstStyle/>
           <a:p>
-            <a:r>
-              <a:rPr lang="en-US" sz="6400" b="1" dirty="0">
+            <a:pPr algn="ctr"/>
+            <a:r>
+              <a:rPr lang="en-US" sz="3600" b="1" dirty="0">
                 <a:solidFill>
                   <a:srgbClr val="660033"/>
                 </a:solidFill>
               </a:rPr>
-              <a:t>2.</a:t>
-            </a:r>
-            <a:endParaRPr lang="vi-VN" sz="6400" b="1" dirty="0">
+              <a:t>( 2 / 3 )</a:t>
+            </a:r>
+            <a:endParaRPr lang="vi-VN" sz="3600" b="1" dirty="0">
               <a:solidFill>
                 <a:srgbClr val="660033"/>
               </a:solidFill>
@@ -3518,13 +3471,6 @@
   <p:clrMapOvr>
     <a:masterClrMapping/>
   </p:clrMapOvr>
-  <p:timing>
-    <p:tnLst>
-      <p:par>
-        <p:cTn id="1" dur="indefinite" restart="never" nodeType="tmRoot"/>
-      </p:par>
-    </p:tnLst>
-  </p:timing>
 </p:sld>
 </file>
 
@@ -3578,17 +3524,7 @@
                 <a:latin typeface="Microsoft JhengHei" pitchFamily="34" charset="-120"/>
                 <a:ea typeface="Microsoft JhengHei" pitchFamily="34" charset="-120"/>
               </a:rPr>
-              <a:t>天人懸隔由罪</a:t>
-            </a:r>
-            <a:r>
-              <a:rPr lang="zh-TW" altLang="en-US" sz="6400" b="1" dirty="0">
-                <a:solidFill>
-                  <a:srgbClr val="660033"/>
-                </a:solidFill>
-                <a:latin typeface="Microsoft JhengHei" pitchFamily="34" charset="-120"/>
-                <a:ea typeface="Microsoft JhengHei" pitchFamily="34" charset="-120"/>
-              </a:rPr>
-              <a:t>障</a:t>
+              <a:t>天人懸隔由罪障</a:t>
             </a:r>
             <a:endParaRPr lang="en-US" altLang="zh-TW" sz="6400" b="1" dirty="0">
               <a:solidFill>
@@ -3610,17 +3546,7 @@
                 <a:latin typeface="Microsoft JhengHei" pitchFamily="34" charset="-120"/>
                 <a:ea typeface="Microsoft JhengHei" pitchFamily="34" charset="-120"/>
               </a:rPr>
-              <a:t>罪</a:t>
-            </a:r>
-            <a:r>
-              <a:rPr lang="zh-TW" altLang="en-US" sz="6400" b="1" dirty="0">
-                <a:solidFill>
-                  <a:srgbClr val="660033"/>
-                </a:solidFill>
-                <a:latin typeface="Microsoft JhengHei" pitchFamily="34" charset="-120"/>
-                <a:ea typeface="Microsoft JhengHei" pitchFamily="34" charset="-120"/>
-              </a:rPr>
-              <a:t>心潛滋道心亡</a:t>
+              <a:t>罪心潛滋道心亡</a:t>
             </a:r>
             <a:endParaRPr lang="en-US" altLang="zh-TW" sz="6400" b="1" dirty="0">
               <a:solidFill>
@@ -3634,14 +3560,20 @@
       </p:sp>
       <p:sp>
         <p:nvSpPr>
-          <p:cNvPr id="3" name="TextBox 2"/>
+          <p:cNvPr id="2" name="TextBox 1">
+            <a:extLst>
+              <a:ext uri="{FF2B5EF4-FFF2-40B4-BE49-F238E27FC236}">
+                <a16:creationId xmlns:a16="http://schemas.microsoft.com/office/drawing/2014/main" id="{CF086C10-E70D-1DE6-7BD8-BF4DAA6FFAFB}"/>
+              </a:ext>
+            </a:extLst>
+          </p:cNvPr>
           <p:cNvSpPr txBox="1"/>
           <p:nvPr/>
         </p:nvSpPr>
         <p:spPr>
           <a:xfrm>
-            <a:off x="1007435" y="2372883"/>
-            <a:ext cx="1248139" cy="1077218"/>
+            <a:off x="0" y="4949828"/>
+            <a:ext cx="12192000" cy="646331"/>
           </a:xfrm>
           <a:prstGeom prst="rect">
             <a:avLst/>
@@ -3654,15 +3586,16 @@
           </a:bodyPr>
           <a:lstStyle/>
           <a:p>
-            <a:r>
-              <a:rPr lang="en-US" sz="6400" b="1" dirty="0">
+            <a:pPr algn="ctr"/>
+            <a:r>
+              <a:rPr lang="en-US" sz="3600" b="1" dirty="0">
                 <a:solidFill>
                   <a:srgbClr val="660033"/>
                 </a:solidFill>
               </a:rPr>
-              <a:t>3.</a:t>
-            </a:r>
-            <a:endParaRPr lang="vi-VN" sz="6400" b="1" dirty="0">
+              <a:t>( 3 / 3 )</a:t>
+            </a:r>
+            <a:endParaRPr lang="vi-VN" sz="3600" b="1" dirty="0">
               <a:solidFill>
                 <a:srgbClr val="660033"/>
               </a:solidFill>
@@ -3680,13 +3613,6 @@
   <p:clrMapOvr>
     <a:masterClrMapping/>
   </p:clrMapOvr>
-  <p:timing>
-    <p:tnLst>
-      <p:par>
-        <p:cTn id="1" dur="indefinite" restart="never" nodeType="tmRoot"/>
-      </p:par>
-    </p:tnLst>
-  </p:timing>
 </p:sld>
 </file>
 
@@ -3740,17 +3666,7 @@
                 <a:latin typeface="Microsoft JhengHei" pitchFamily="34" charset="-120"/>
                 <a:ea typeface="Microsoft JhengHei" pitchFamily="34" charset="-120"/>
               </a:rPr>
-              <a:t>我亦魔國投降</a:t>
-            </a:r>
-            <a:r>
-              <a:rPr lang="zh-TW" altLang="en-US" sz="6400" b="1" dirty="0">
-                <a:solidFill>
-                  <a:srgbClr val="660033"/>
-                </a:solidFill>
-                <a:latin typeface="Microsoft JhengHei" pitchFamily="34" charset="-120"/>
-                <a:ea typeface="Microsoft JhengHei" pitchFamily="34" charset="-120"/>
-              </a:rPr>
-              <a:t>者</a:t>
+              <a:t>我亦魔國投降者</a:t>
             </a:r>
             <a:endParaRPr lang="en-US" altLang="zh-TW" sz="6400" b="1" dirty="0">
               <a:solidFill>
@@ -3772,17 +3688,7 @@
                 <a:latin typeface="Microsoft JhengHei" pitchFamily="34" charset="-120"/>
                 <a:ea typeface="Microsoft JhengHei" pitchFamily="34" charset="-120"/>
               </a:rPr>
-              <a:t>徘</a:t>
-            </a:r>
-            <a:r>
-              <a:rPr lang="zh-TW" altLang="en-US" sz="6400" b="1" dirty="0">
-                <a:solidFill>
-                  <a:srgbClr val="660033"/>
-                </a:solidFill>
-                <a:latin typeface="Microsoft JhengHei" pitchFamily="34" charset="-120"/>
-                <a:ea typeface="Microsoft JhengHei" pitchFamily="34" charset="-120"/>
-              </a:rPr>
-              <a:t>徊歧路無主張</a:t>
+              <a:t>徘徊歧路無主張</a:t>
             </a:r>
             <a:endParaRPr lang="en-US" altLang="zh-TW" sz="6400" b="1" dirty="0">
               <a:solidFill>
@@ -3796,14 +3702,20 @@
       </p:sp>
       <p:sp>
         <p:nvSpPr>
-          <p:cNvPr id="3" name="TextBox 2"/>
+          <p:cNvPr id="2" name="TextBox 1">
+            <a:extLst>
+              <a:ext uri="{FF2B5EF4-FFF2-40B4-BE49-F238E27FC236}">
+                <a16:creationId xmlns:a16="http://schemas.microsoft.com/office/drawing/2014/main" id="{EFB1259D-6D15-1A2A-1D20-9FCCE9C4E4E6}"/>
+              </a:ext>
+            </a:extLst>
+          </p:cNvPr>
           <p:cNvSpPr txBox="1"/>
           <p:nvPr/>
         </p:nvSpPr>
         <p:spPr>
           <a:xfrm>
-            <a:off x="1007435" y="2372883"/>
-            <a:ext cx="1248139" cy="1077218"/>
+            <a:off x="0" y="4949828"/>
+            <a:ext cx="12192000" cy="646331"/>
           </a:xfrm>
           <a:prstGeom prst="rect">
             <a:avLst/>
@@ -3816,15 +3728,16 @@
           </a:bodyPr>
           <a:lstStyle/>
           <a:p>
-            <a:r>
-              <a:rPr lang="en-US" sz="6400" b="1" dirty="0">
+            <a:pPr algn="ctr"/>
+            <a:r>
+              <a:rPr lang="en-US" sz="3600" b="1" dirty="0">
                 <a:solidFill>
                   <a:srgbClr val="660033"/>
                 </a:solidFill>
               </a:rPr>
-              <a:t>3.</a:t>
-            </a:r>
-            <a:endParaRPr lang="vi-VN" sz="6400" b="1" dirty="0">
+              <a:t>( 3 / 3 )</a:t>
+            </a:r>
+            <a:endParaRPr lang="vi-VN" sz="3600" b="1" dirty="0">
               <a:solidFill>
                 <a:srgbClr val="660033"/>
               </a:solidFill>
@@ -3842,13 +3755,6 @@
   <p:clrMapOvr>
     <a:masterClrMapping/>
   </p:clrMapOvr>
-  <p:timing>
-    <p:tnLst>
-      <p:par>
-        <p:cTn id="1" dur="indefinite" restart="never" nodeType="tmRoot"/>
-      </p:par>
-    </p:tnLst>
-  </p:timing>
 </p:sld>
 </file>
 
@@ -3902,17 +3808,7 @@
                 <a:latin typeface="Microsoft JhengHei" pitchFamily="34" charset="-120"/>
                 <a:ea typeface="Microsoft JhengHei" pitchFamily="34" charset="-120"/>
               </a:rPr>
-              <a:t>神已為我立善</a:t>
-            </a:r>
-            <a:r>
-              <a:rPr lang="zh-TW" altLang="en-US" sz="6400" b="1" dirty="0">
-                <a:solidFill>
-                  <a:srgbClr val="660033"/>
-                </a:solidFill>
-                <a:latin typeface="Microsoft JhengHei" pitchFamily="34" charset="-120"/>
-                <a:ea typeface="Microsoft JhengHei" pitchFamily="34" charset="-120"/>
-              </a:rPr>
-              <a:t>牧</a:t>
+              <a:t>神已為我立善牧</a:t>
             </a:r>
             <a:endParaRPr lang="en-US" altLang="zh-TW" sz="6400" b="1" dirty="0">
               <a:solidFill>
@@ -3934,17 +3830,7 @@
                 <a:latin typeface="Microsoft JhengHei" pitchFamily="34" charset="-120"/>
                 <a:ea typeface="Microsoft JhengHei" pitchFamily="34" charset="-120"/>
               </a:rPr>
-              <a:t>我</a:t>
-            </a:r>
-            <a:r>
-              <a:rPr lang="zh-TW" altLang="en-US" sz="6400" b="1" dirty="0">
-                <a:solidFill>
-                  <a:srgbClr val="660033"/>
-                </a:solidFill>
-                <a:latin typeface="Microsoft JhengHei" pitchFamily="34" charset="-120"/>
-                <a:ea typeface="Microsoft JhengHei" pitchFamily="34" charset="-120"/>
-              </a:rPr>
-              <a:t>豈依舊作亡羊</a:t>
+              <a:t>我豈依舊作亡羊</a:t>
             </a:r>
             <a:endParaRPr lang="en-US" altLang="zh-TW" sz="6400" b="1" dirty="0">
               <a:solidFill>
@@ -3958,14 +3844,20 @@
       </p:sp>
       <p:sp>
         <p:nvSpPr>
-          <p:cNvPr id="3" name="TextBox 2"/>
+          <p:cNvPr id="2" name="TextBox 1">
+            <a:extLst>
+              <a:ext uri="{FF2B5EF4-FFF2-40B4-BE49-F238E27FC236}">
+                <a16:creationId xmlns:a16="http://schemas.microsoft.com/office/drawing/2014/main" id="{32D3338F-AC9D-6FF8-D15F-12E48D68A58E}"/>
+              </a:ext>
+            </a:extLst>
+          </p:cNvPr>
           <p:cNvSpPr txBox="1"/>
           <p:nvPr/>
         </p:nvSpPr>
         <p:spPr>
           <a:xfrm>
-            <a:off x="1007435" y="2372883"/>
-            <a:ext cx="1248139" cy="1077218"/>
+            <a:off x="0" y="4949828"/>
+            <a:ext cx="12192000" cy="646331"/>
           </a:xfrm>
           <a:prstGeom prst="rect">
             <a:avLst/>
@@ -3978,15 +3870,16 @@
           </a:bodyPr>
           <a:lstStyle/>
           <a:p>
-            <a:r>
-              <a:rPr lang="en-US" sz="6400" b="1" dirty="0">
+            <a:pPr algn="ctr"/>
+            <a:r>
+              <a:rPr lang="en-US" sz="3600" b="1" dirty="0">
                 <a:solidFill>
                   <a:srgbClr val="660033"/>
                 </a:solidFill>
               </a:rPr>
-              <a:t>3.</a:t>
-            </a:r>
-            <a:endParaRPr lang="vi-VN" sz="6400" b="1" dirty="0">
+              <a:t>( 3 / 3 )</a:t>
+            </a:r>
+            <a:endParaRPr lang="vi-VN" sz="3600" b="1" dirty="0">
               <a:solidFill>
                 <a:srgbClr val="660033"/>
               </a:solidFill>
@@ -4004,13 +3897,6 @@
   <p:clrMapOvr>
     <a:masterClrMapping/>
   </p:clrMapOvr>
-  <p:timing>
-    <p:tnLst>
-      <p:par>
-        <p:cTn id="1" dur="indefinite" restart="never" nodeType="tmRoot"/>
-      </p:par>
-    </p:tnLst>
-  </p:timing>
 </p:sld>
 </file>
 
@@ -4064,17 +3950,7 @@
                 <a:latin typeface="Microsoft JhengHei" pitchFamily="34" charset="-120"/>
                 <a:ea typeface="Microsoft JhengHei" pitchFamily="34" charset="-120"/>
               </a:rPr>
-              <a:t>願潔我心成聖</a:t>
-            </a:r>
-            <a:r>
-              <a:rPr lang="zh-TW" altLang="en-US" sz="6400" b="1" dirty="0">
-                <a:solidFill>
-                  <a:srgbClr val="660033"/>
-                </a:solidFill>
-                <a:latin typeface="Microsoft JhengHei" pitchFamily="34" charset="-120"/>
-                <a:ea typeface="Microsoft JhengHei" pitchFamily="34" charset="-120"/>
-              </a:rPr>
-              <a:t>殿</a:t>
+              <a:t>願潔我心成聖殿</a:t>
             </a:r>
             <a:endParaRPr lang="en-US" altLang="zh-TW" sz="6400" b="1" dirty="0">
               <a:solidFill>
@@ -4096,17 +3972,7 @@
                 <a:latin typeface="Microsoft JhengHei" pitchFamily="34" charset="-120"/>
                 <a:ea typeface="Microsoft JhengHei" pitchFamily="34" charset="-120"/>
               </a:rPr>
-              <a:t>毋</a:t>
-            </a:r>
-            <a:r>
-              <a:rPr lang="zh-TW" altLang="en-US" sz="6400" b="1" dirty="0">
-                <a:solidFill>
-                  <a:srgbClr val="660033"/>
-                </a:solidFill>
-                <a:latin typeface="Microsoft JhengHei" pitchFamily="34" charset="-120"/>
-                <a:ea typeface="Microsoft JhengHei" pitchFamily="34" charset="-120"/>
-              </a:rPr>
-              <a:t>若客店無地方</a:t>
+              <a:t>毋若客店無地方</a:t>
             </a:r>
             <a:endParaRPr lang="en-US" altLang="zh-TW" sz="6400" b="1" dirty="0">
               <a:solidFill>
@@ -4120,14 +3986,20 @@
       </p:sp>
       <p:sp>
         <p:nvSpPr>
-          <p:cNvPr id="3" name="TextBox 2"/>
+          <p:cNvPr id="2" name="TextBox 1">
+            <a:extLst>
+              <a:ext uri="{FF2B5EF4-FFF2-40B4-BE49-F238E27FC236}">
+                <a16:creationId xmlns:a16="http://schemas.microsoft.com/office/drawing/2014/main" id="{A62C917A-6AE8-4DEA-DC7E-D403E86AF067}"/>
+              </a:ext>
+            </a:extLst>
+          </p:cNvPr>
           <p:cNvSpPr txBox="1"/>
           <p:nvPr/>
         </p:nvSpPr>
         <p:spPr>
           <a:xfrm>
-            <a:off x="1007435" y="2372883"/>
-            <a:ext cx="1248139" cy="1077218"/>
+            <a:off x="0" y="4949828"/>
+            <a:ext cx="12192000" cy="646331"/>
           </a:xfrm>
           <a:prstGeom prst="rect">
             <a:avLst/>
@@ -4140,54 +4012,42 @@
           </a:bodyPr>
           <a:lstStyle/>
           <a:p>
-            <a:r>
-              <a:rPr lang="en-US" sz="6400" b="1" dirty="0">
+            <a:pPr algn="ctr"/>
+            <a:r>
+              <a:rPr lang="en-US" sz="3600" b="1" dirty="0">
                 <a:solidFill>
                   <a:srgbClr val="660033"/>
                 </a:solidFill>
               </a:rPr>
-              <a:t>3.</a:t>
-            </a:r>
-            <a:endParaRPr lang="vi-VN" sz="6400" b="1" dirty="0">
-              <a:solidFill>
-                <a:srgbClr val="660033"/>
-              </a:solidFill>
-            </a:endParaRPr>
-          </a:p>
-        </p:txBody>
-      </p:sp>
-      <p:sp>
-        <p:nvSpPr>
-          <p:cNvPr id="4" name="TextBox 3"/>
-          <p:cNvSpPr txBox="1"/>
-          <p:nvPr/>
-        </p:nvSpPr>
-        <p:spPr>
-          <a:xfrm>
-            <a:off x="0" y="5061181"/>
-            <a:ext cx="12192000" cy="748988"/>
-          </a:xfrm>
-          <a:prstGeom prst="rect">
-            <a:avLst/>
-          </a:prstGeom>
-          <a:noFill/>
-        </p:spPr>
-        <p:txBody>
-          <a:bodyPr wrap="square" rtlCol="0">
-            <a:spAutoFit/>
-          </a:bodyPr>
-          <a:lstStyle/>
-          <a:p>
-            <a:pPr algn="ctr"/>
-            <a:r>
-              <a:rPr lang="en-US" sz="4267" b="1" dirty="0">
+              <a:t>( 3 / 3 )( 2</a:t>
+            </a:r>
+            <a:r>
+              <a:rPr lang="zh-CN" altLang="en-US" sz="3600" b="1" dirty="0">
                 <a:solidFill>
                   <a:srgbClr val="660033"/>
                 </a:solidFill>
+                <a:latin typeface="Microsoft JhengHei" panose="020B0604030504040204" pitchFamily="34" charset="-120"/>
+                <a:ea typeface="Microsoft JhengHei" panose="020B0604030504040204" pitchFamily="34" charset="-120"/>
               </a:rPr>
-              <a:t>( x2 )</a:t>
-            </a:r>
-            <a:endParaRPr lang="vi-VN" sz="4267" b="1" dirty="0">
+              <a:t>次</a:t>
+            </a:r>
+            <a:r>
+              <a:rPr lang="zh-CN" altLang="en-US" sz="3600" b="1" dirty="0">
+                <a:solidFill>
+                  <a:srgbClr val="660033"/>
+                </a:solidFill>
+              </a:rPr>
+              <a:t> </a:t>
+            </a:r>
+            <a:r>
+              <a:rPr lang="en-US" sz="3600" b="1" dirty="0">
+                <a:solidFill>
+                  <a:srgbClr val="660033"/>
+                </a:solidFill>
+              </a:rPr>
+              <a:t>)</a:t>
+            </a:r>
+            <a:endParaRPr lang="vi-VN" sz="3600" b="1" dirty="0">
               <a:solidFill>
                 <a:srgbClr val="660033"/>
               </a:solidFill>
@@ -4205,13 +4065,6 @@
   <p:clrMapOvr>
     <a:masterClrMapping/>
   </p:clrMapOvr>
-  <p:timing>
-    <p:tnLst>
-      <p:par>
-        <p:cTn id="1" dur="indefinite" restart="never" nodeType="tmRoot"/>
-      </p:par>
-    </p:tnLst>
-  </p:timing>
 </p:sld>
 </file>
 
@@ -4265,17 +4118,7 @@
                 <a:latin typeface="Microsoft JhengHei" pitchFamily="34" charset="-120"/>
                 <a:ea typeface="Microsoft JhengHei" pitchFamily="34" charset="-120"/>
               </a:rPr>
-              <a:t>明星燦爛夜未</a:t>
-            </a:r>
-            <a:r>
-              <a:rPr lang="zh-TW" altLang="en-US" sz="6400" b="1" dirty="0">
-                <a:solidFill>
-                  <a:srgbClr val="660033"/>
-                </a:solidFill>
-                <a:latin typeface="Microsoft JhengHei" pitchFamily="34" charset="-120"/>
-                <a:ea typeface="Microsoft JhengHei" pitchFamily="34" charset="-120"/>
-              </a:rPr>
-              <a:t>央</a:t>
+              <a:t>明星燦爛夜未央</a:t>
             </a:r>
             <a:endParaRPr lang="en-US" altLang="zh-TW" sz="6400" b="1" dirty="0">
               <a:solidFill>
@@ -4297,17 +4140,7 @@
                 <a:latin typeface="Microsoft JhengHei" pitchFamily="34" charset="-120"/>
                 <a:ea typeface="Microsoft JhengHei" pitchFamily="34" charset="-120"/>
               </a:rPr>
-              <a:t>伯</a:t>
-            </a:r>
-            <a:r>
-              <a:rPr lang="zh-TW" altLang="en-US" sz="6400" b="1" dirty="0">
-                <a:solidFill>
-                  <a:srgbClr val="660033"/>
-                </a:solidFill>
-                <a:latin typeface="Microsoft JhengHei" pitchFamily="34" charset="-120"/>
-                <a:ea typeface="Microsoft JhengHei" pitchFamily="34" charset="-120"/>
-              </a:rPr>
-              <a:t>利恆城在睡鄉</a:t>
+              <a:t>伯利恆城在睡鄉</a:t>
             </a:r>
             <a:endParaRPr lang="en-US" altLang="zh-TW" sz="6400" b="1" dirty="0">
               <a:solidFill>
@@ -4327,8 +4160,8 @@
         </p:nvSpPr>
         <p:spPr>
           <a:xfrm>
-            <a:off x="1007435" y="2372883"/>
-            <a:ext cx="1248139" cy="1077218"/>
+            <a:off x="0" y="4949828"/>
+            <a:ext cx="12192000" cy="646331"/>
           </a:xfrm>
           <a:prstGeom prst="rect">
             <a:avLst/>
@@ -4341,15 +4174,16 @@
           </a:bodyPr>
           <a:lstStyle/>
           <a:p>
-            <a:r>
-              <a:rPr lang="en-US" sz="6400" b="1" dirty="0">
+            <a:pPr algn="ctr"/>
+            <a:r>
+              <a:rPr lang="en-US" sz="3600" b="1" dirty="0">
                 <a:solidFill>
                   <a:srgbClr val="660033"/>
                 </a:solidFill>
               </a:rPr>
-              <a:t>1.</a:t>
-            </a:r>
-            <a:endParaRPr lang="vi-VN" sz="6400" b="1" dirty="0">
+              <a:t>( 1 / 3 )</a:t>
+            </a:r>
+            <a:endParaRPr lang="vi-VN" sz="3600" b="1" dirty="0">
               <a:solidFill>
                 <a:srgbClr val="660033"/>
               </a:solidFill>
@@ -4367,13 +4201,6 @@
   <p:clrMapOvr>
     <a:masterClrMapping/>
   </p:clrMapOvr>
-  <p:timing>
-    <p:tnLst>
-      <p:par>
-        <p:cTn id="1" dur="indefinite" restart="never" nodeType="tmRoot"/>
-      </p:par>
-    </p:tnLst>
-  </p:timing>
 </p:sld>
 </file>
 
@@ -4427,17 +4254,7 @@
                 <a:latin typeface="Microsoft JhengHei" pitchFamily="34" charset="-120"/>
                 <a:ea typeface="Microsoft JhengHei" pitchFamily="34" charset="-120"/>
               </a:rPr>
-              <a:t>野外牧人見異</a:t>
-            </a:r>
-            <a:r>
-              <a:rPr lang="zh-TW" altLang="en-US" sz="6400" b="1" dirty="0">
-                <a:solidFill>
-                  <a:srgbClr val="660033"/>
-                </a:solidFill>
-                <a:latin typeface="Microsoft JhengHei" pitchFamily="34" charset="-120"/>
-                <a:ea typeface="Microsoft JhengHei" pitchFamily="34" charset="-120"/>
-              </a:rPr>
-              <a:t>象</a:t>
+              <a:t>野外牧人見異象</a:t>
             </a:r>
             <a:endParaRPr lang="en-US" altLang="zh-TW" sz="6400" b="1" dirty="0">
               <a:solidFill>
@@ -4459,17 +4276,7 @@
                 <a:latin typeface="Microsoft JhengHei" pitchFamily="34" charset="-120"/>
                 <a:ea typeface="Microsoft JhengHei" pitchFamily="34" charset="-120"/>
               </a:rPr>
-              <a:t>天</a:t>
-            </a:r>
-            <a:r>
-              <a:rPr lang="zh-TW" altLang="en-US" sz="6400" b="1" dirty="0">
-                <a:solidFill>
-                  <a:srgbClr val="660033"/>
-                </a:solidFill>
-                <a:latin typeface="Microsoft JhengHei" pitchFamily="34" charset="-120"/>
-                <a:ea typeface="Microsoft JhengHei" pitchFamily="34" charset="-120"/>
-              </a:rPr>
-              <a:t>上皎然發大光</a:t>
+              <a:t>天上皎然發大光</a:t>
             </a:r>
             <a:endParaRPr lang="en-US" altLang="zh-TW" sz="6400" b="1" dirty="0">
               <a:solidFill>
@@ -4483,14 +4290,20 @@
       </p:sp>
       <p:sp>
         <p:nvSpPr>
-          <p:cNvPr id="3" name="TextBox 2"/>
+          <p:cNvPr id="2" name="TextBox 1">
+            <a:extLst>
+              <a:ext uri="{FF2B5EF4-FFF2-40B4-BE49-F238E27FC236}">
+                <a16:creationId xmlns:a16="http://schemas.microsoft.com/office/drawing/2014/main" id="{B5E961F5-B958-3111-74B5-64DAF5D52AC3}"/>
+              </a:ext>
+            </a:extLst>
+          </p:cNvPr>
           <p:cNvSpPr txBox="1"/>
           <p:nvPr/>
         </p:nvSpPr>
         <p:spPr>
           <a:xfrm>
-            <a:off x="1007435" y="2372883"/>
-            <a:ext cx="1248139" cy="1077218"/>
+            <a:off x="0" y="4949828"/>
+            <a:ext cx="12192000" cy="646331"/>
           </a:xfrm>
           <a:prstGeom prst="rect">
             <a:avLst/>
@@ -4503,15 +4316,16 @@
           </a:bodyPr>
           <a:lstStyle/>
           <a:p>
-            <a:r>
-              <a:rPr lang="en-US" sz="6400" b="1" dirty="0">
+            <a:pPr algn="ctr"/>
+            <a:r>
+              <a:rPr lang="en-US" sz="3600" b="1" dirty="0">
                 <a:solidFill>
                   <a:srgbClr val="660033"/>
                 </a:solidFill>
               </a:rPr>
-              <a:t>1.</a:t>
-            </a:r>
-            <a:endParaRPr lang="vi-VN" sz="6400" b="1" dirty="0">
+              <a:t>( 1 / 3 )</a:t>
+            </a:r>
+            <a:endParaRPr lang="vi-VN" sz="3600" b="1" dirty="0">
               <a:solidFill>
                 <a:srgbClr val="660033"/>
               </a:solidFill>
@@ -4529,13 +4343,6 @@
   <p:clrMapOvr>
     <a:masterClrMapping/>
   </p:clrMapOvr>
-  <p:timing>
-    <p:tnLst>
-      <p:par>
-        <p:cTn id="1" dur="indefinite" restart="never" nodeType="tmRoot"/>
-      </p:par>
-    </p:tnLst>
-  </p:timing>
 </p:sld>
 </file>
 
@@ -4589,17 +4396,7 @@
                 <a:latin typeface="Microsoft JhengHei" pitchFamily="34" charset="-120"/>
                 <a:ea typeface="Microsoft JhengHei" pitchFamily="34" charset="-120"/>
               </a:rPr>
-              <a:t>天使列隊同歌</a:t>
-            </a:r>
-            <a:r>
-              <a:rPr lang="zh-TW" altLang="en-US" sz="6400" b="1" dirty="0">
-                <a:solidFill>
-                  <a:srgbClr val="660033"/>
-                </a:solidFill>
-                <a:latin typeface="Microsoft JhengHei" pitchFamily="34" charset="-120"/>
-                <a:ea typeface="Microsoft JhengHei" pitchFamily="34" charset="-120"/>
-              </a:rPr>
-              <a:t>唱</a:t>
+              <a:t>天使列隊同歌唱</a:t>
             </a:r>
             <a:endParaRPr lang="en-US" altLang="zh-TW" sz="6400" b="1" dirty="0">
               <a:solidFill>
@@ -4621,17 +4418,7 @@
                 <a:latin typeface="Microsoft JhengHei" pitchFamily="34" charset="-120"/>
                 <a:ea typeface="Microsoft JhengHei" pitchFamily="34" charset="-120"/>
               </a:rPr>
-              <a:t>牧</a:t>
-            </a:r>
-            <a:r>
-              <a:rPr lang="zh-TW" altLang="en-US" sz="6400" b="1" dirty="0">
-                <a:solidFill>
-                  <a:srgbClr val="660033"/>
-                </a:solidFill>
-                <a:latin typeface="Microsoft JhengHei" pitchFamily="34" charset="-120"/>
-                <a:ea typeface="Microsoft JhengHei" pitchFamily="34" charset="-120"/>
-              </a:rPr>
-              <a:t>人見之咸驚惶</a:t>
+              <a:t>牧人見之咸驚惶</a:t>
             </a:r>
             <a:endParaRPr lang="en-US" altLang="zh-TW" sz="6400" b="1" dirty="0">
               <a:solidFill>
@@ -4645,14 +4432,20 @@
       </p:sp>
       <p:sp>
         <p:nvSpPr>
-          <p:cNvPr id="3" name="TextBox 2"/>
+          <p:cNvPr id="2" name="TextBox 1">
+            <a:extLst>
+              <a:ext uri="{FF2B5EF4-FFF2-40B4-BE49-F238E27FC236}">
+                <a16:creationId xmlns:a16="http://schemas.microsoft.com/office/drawing/2014/main" id="{9D2EBF58-BB06-F7DD-16DD-188EF3089FB7}"/>
+              </a:ext>
+            </a:extLst>
+          </p:cNvPr>
           <p:cNvSpPr txBox="1"/>
           <p:nvPr/>
         </p:nvSpPr>
         <p:spPr>
           <a:xfrm>
-            <a:off x="1007435" y="2372883"/>
-            <a:ext cx="1248139" cy="1077218"/>
+            <a:off x="0" y="4949828"/>
+            <a:ext cx="12192000" cy="646331"/>
           </a:xfrm>
           <a:prstGeom prst="rect">
             <a:avLst/>
@@ -4665,15 +4458,16 @@
           </a:bodyPr>
           <a:lstStyle/>
           <a:p>
-            <a:r>
-              <a:rPr lang="en-US" sz="6400" b="1" dirty="0">
+            <a:pPr algn="ctr"/>
+            <a:r>
+              <a:rPr lang="en-US" sz="3600" b="1" dirty="0">
                 <a:solidFill>
                   <a:srgbClr val="660033"/>
                 </a:solidFill>
               </a:rPr>
-              <a:t>1.</a:t>
-            </a:r>
-            <a:endParaRPr lang="vi-VN" sz="6400" b="1" dirty="0">
+              <a:t>( 1 / 3 )</a:t>
+            </a:r>
+            <a:endParaRPr lang="vi-VN" sz="3600" b="1" dirty="0">
               <a:solidFill>
                 <a:srgbClr val="660033"/>
               </a:solidFill>
@@ -4691,13 +4485,6 @@
   <p:clrMapOvr>
     <a:masterClrMapping/>
   </p:clrMapOvr>
-  <p:timing>
-    <p:tnLst>
-      <p:par>
-        <p:cTn id="1" dur="indefinite" restart="never" nodeType="tmRoot"/>
-      </p:par>
-    </p:tnLst>
-  </p:timing>
 </p:sld>
 </file>
 
@@ -4751,17 +4538,7 @@
                 <a:latin typeface="Microsoft JhengHei" pitchFamily="34" charset="-120"/>
                 <a:ea typeface="Microsoft JhengHei" pitchFamily="34" charset="-120"/>
               </a:rPr>
-              <a:t>忽聞綸音頒九</a:t>
-            </a:r>
-            <a:r>
-              <a:rPr lang="zh-TW" altLang="en-US" sz="6400" b="1" dirty="0">
-                <a:solidFill>
-                  <a:srgbClr val="660033"/>
-                </a:solidFill>
-                <a:latin typeface="Microsoft JhengHei" pitchFamily="34" charset="-120"/>
-                <a:ea typeface="Microsoft JhengHei" pitchFamily="34" charset="-120"/>
-              </a:rPr>
-              <a:t>霄</a:t>
+              <a:t>忽聞綸音頒九霄</a:t>
             </a:r>
             <a:endParaRPr lang="en-US" altLang="zh-TW" sz="6400" b="1" dirty="0">
               <a:solidFill>
@@ -4783,17 +4560,7 @@
                 <a:latin typeface="Microsoft JhengHei" pitchFamily="34" charset="-120"/>
                 <a:ea typeface="Microsoft JhengHei" pitchFamily="34" charset="-120"/>
               </a:rPr>
-              <a:t>宣</a:t>
-            </a:r>
-            <a:r>
-              <a:rPr lang="zh-TW" altLang="en-US" sz="6400" b="1" dirty="0">
-                <a:solidFill>
-                  <a:srgbClr val="660033"/>
-                </a:solidFill>
-                <a:latin typeface="Microsoft JhengHei" pitchFamily="34" charset="-120"/>
-                <a:ea typeface="Microsoft JhengHei" pitchFamily="34" charset="-120"/>
-              </a:rPr>
-              <a:t>言聖子降下方</a:t>
+              <a:t>宣言聖子降下方</a:t>
             </a:r>
             <a:endParaRPr lang="en-US" altLang="zh-TW" sz="6400" b="1" dirty="0">
               <a:solidFill>
@@ -4807,14 +4574,20 @@
       </p:sp>
       <p:sp>
         <p:nvSpPr>
-          <p:cNvPr id="3" name="TextBox 2"/>
+          <p:cNvPr id="2" name="TextBox 1">
+            <a:extLst>
+              <a:ext uri="{FF2B5EF4-FFF2-40B4-BE49-F238E27FC236}">
+                <a16:creationId xmlns:a16="http://schemas.microsoft.com/office/drawing/2014/main" id="{E1633BEB-F077-50CC-C592-7CECCC079BF5}"/>
+              </a:ext>
+            </a:extLst>
+          </p:cNvPr>
           <p:cNvSpPr txBox="1"/>
           <p:nvPr/>
         </p:nvSpPr>
         <p:spPr>
           <a:xfrm>
-            <a:off x="1007435" y="2372883"/>
-            <a:ext cx="1248139" cy="1077218"/>
+            <a:off x="0" y="4949828"/>
+            <a:ext cx="12192000" cy="646331"/>
           </a:xfrm>
           <a:prstGeom prst="rect">
             <a:avLst/>
@@ -4827,15 +4600,16 @@
           </a:bodyPr>
           <a:lstStyle/>
           <a:p>
-            <a:r>
-              <a:rPr lang="en-US" sz="6400" b="1" dirty="0">
+            <a:pPr algn="ctr"/>
+            <a:r>
+              <a:rPr lang="en-US" sz="3600" b="1" dirty="0">
                 <a:solidFill>
                   <a:srgbClr val="660033"/>
                 </a:solidFill>
               </a:rPr>
-              <a:t>1.</a:t>
-            </a:r>
-            <a:endParaRPr lang="vi-VN" sz="6400" b="1" dirty="0">
+              <a:t>( 1 / 3 )</a:t>
+            </a:r>
+            <a:endParaRPr lang="vi-VN" sz="3600" b="1" dirty="0">
               <a:solidFill>
                 <a:srgbClr val="660033"/>
               </a:solidFill>
@@ -4853,13 +4627,6 @@
   <p:clrMapOvr>
     <a:masterClrMapping/>
   </p:clrMapOvr>
-  <p:timing>
-    <p:tnLst>
-      <p:par>
-        <p:cTn id="1" dur="indefinite" restart="never" nodeType="tmRoot"/>
-      </p:par>
-    </p:tnLst>
-  </p:timing>
 </p:sld>
 </file>
 
@@ -4913,17 +4680,7 @@
                 <a:latin typeface="Microsoft JhengHei" pitchFamily="34" charset="-120"/>
                 <a:ea typeface="Microsoft JhengHei" pitchFamily="34" charset="-120"/>
               </a:rPr>
-              <a:t>至高榮耀歸上</a:t>
-            </a:r>
-            <a:r>
-              <a:rPr lang="zh-TW" altLang="en-US" sz="6400" b="1" dirty="0">
-                <a:solidFill>
-                  <a:srgbClr val="660033"/>
-                </a:solidFill>
-                <a:latin typeface="Microsoft JhengHei" pitchFamily="34" charset="-120"/>
-                <a:ea typeface="Microsoft JhengHei" pitchFamily="34" charset="-120"/>
-              </a:rPr>
-              <a:t>主</a:t>
+              <a:t>至高榮耀歸上主</a:t>
             </a:r>
             <a:endParaRPr lang="en-US" altLang="zh-TW" sz="6400" b="1" dirty="0">
               <a:solidFill>
@@ -4945,17 +4702,7 @@
                 <a:latin typeface="Microsoft JhengHei" pitchFamily="34" charset="-120"/>
                 <a:ea typeface="Microsoft JhengHei" pitchFamily="34" charset="-120"/>
               </a:rPr>
-              <a:t>全</a:t>
-            </a:r>
-            <a:r>
-              <a:rPr lang="zh-TW" altLang="en-US" sz="6400" b="1" dirty="0">
-                <a:solidFill>
-                  <a:srgbClr val="660033"/>
-                </a:solidFill>
-                <a:latin typeface="Microsoft JhengHei" pitchFamily="34" charset="-120"/>
-                <a:ea typeface="Microsoft JhengHei" pitchFamily="34" charset="-120"/>
-              </a:rPr>
-              <a:t>地人民福無彊</a:t>
+              <a:t>全地人民福無彊</a:t>
             </a:r>
             <a:endParaRPr lang="en-US" altLang="zh-TW" sz="6400" b="1" dirty="0">
               <a:solidFill>
@@ -4969,14 +4716,20 @@
       </p:sp>
       <p:sp>
         <p:nvSpPr>
-          <p:cNvPr id="3" name="TextBox 2"/>
+          <p:cNvPr id="2" name="TextBox 1">
+            <a:extLst>
+              <a:ext uri="{FF2B5EF4-FFF2-40B4-BE49-F238E27FC236}">
+                <a16:creationId xmlns:a16="http://schemas.microsoft.com/office/drawing/2014/main" id="{F031A641-766C-0F4B-C445-4623DE4826D8}"/>
+              </a:ext>
+            </a:extLst>
+          </p:cNvPr>
           <p:cNvSpPr txBox="1"/>
           <p:nvPr/>
         </p:nvSpPr>
         <p:spPr>
           <a:xfrm>
-            <a:off x="1007435" y="2372883"/>
-            <a:ext cx="1248139" cy="1077218"/>
+            <a:off x="0" y="4949828"/>
+            <a:ext cx="12192000" cy="646331"/>
           </a:xfrm>
           <a:prstGeom prst="rect">
             <a:avLst/>
@@ -4989,15 +4742,16 @@
           </a:bodyPr>
           <a:lstStyle/>
           <a:p>
-            <a:r>
-              <a:rPr lang="en-US" sz="6400" b="1" dirty="0">
+            <a:pPr algn="ctr"/>
+            <a:r>
+              <a:rPr lang="en-US" sz="3600" b="1" dirty="0">
                 <a:solidFill>
                   <a:srgbClr val="660033"/>
                 </a:solidFill>
               </a:rPr>
-              <a:t>1.</a:t>
-            </a:r>
-            <a:endParaRPr lang="vi-VN" sz="6400" b="1" dirty="0">
+              <a:t>( 1 / 3 )</a:t>
+            </a:r>
+            <a:endParaRPr lang="vi-VN" sz="3600" b="1" dirty="0">
               <a:solidFill>
                 <a:srgbClr val="660033"/>
               </a:solidFill>
@@ -5015,13 +4769,6 @@
   <p:clrMapOvr>
     <a:masterClrMapping/>
   </p:clrMapOvr>
-  <p:timing>
-    <p:tnLst>
-      <p:par>
-        <p:cTn id="1" dur="indefinite" restart="never" nodeType="tmRoot"/>
-      </p:par>
-    </p:tnLst>
-  </p:timing>
 </p:sld>
 </file>
 
@@ -5075,17 +4822,7 @@
                 <a:latin typeface="Microsoft JhengHei" pitchFamily="34" charset="-120"/>
                 <a:ea typeface="Microsoft JhengHei" pitchFamily="34" charset="-120"/>
               </a:rPr>
-              <a:t>明星燦爛夜未</a:t>
-            </a:r>
-            <a:r>
-              <a:rPr lang="zh-TW" altLang="en-US" sz="6400" b="1" dirty="0">
-                <a:solidFill>
-                  <a:srgbClr val="660033"/>
-                </a:solidFill>
-                <a:latin typeface="Microsoft JhengHei" pitchFamily="34" charset="-120"/>
-                <a:ea typeface="Microsoft JhengHei" pitchFamily="34" charset="-120"/>
-              </a:rPr>
-              <a:t>央</a:t>
+              <a:t>明星燦爛夜未央</a:t>
             </a:r>
             <a:endParaRPr lang="en-US" altLang="zh-TW" sz="6400" b="1" dirty="0">
               <a:solidFill>
@@ -5107,17 +4844,7 @@
                 <a:latin typeface="Microsoft JhengHei" pitchFamily="34" charset="-120"/>
                 <a:ea typeface="Microsoft JhengHei" pitchFamily="34" charset="-120"/>
               </a:rPr>
-              <a:t>孤</a:t>
-            </a:r>
-            <a:r>
-              <a:rPr lang="zh-TW" altLang="en-US" sz="6400" b="1" dirty="0">
-                <a:solidFill>
-                  <a:srgbClr val="660033"/>
-                </a:solidFill>
-                <a:latin typeface="Microsoft JhengHei" pitchFamily="34" charset="-120"/>
-                <a:ea typeface="Microsoft JhengHei" pitchFamily="34" charset="-120"/>
-              </a:rPr>
-              <a:t>燈熒熒照客窗</a:t>
+              <a:t>孤燈熒熒照客窗</a:t>
             </a:r>
             <a:endParaRPr lang="en-US" altLang="zh-TW" sz="6400" b="1" dirty="0">
               <a:solidFill>
@@ -5131,14 +4858,20 @@
       </p:sp>
       <p:sp>
         <p:nvSpPr>
-          <p:cNvPr id="3" name="TextBox 2"/>
+          <p:cNvPr id="2" name="TextBox 1">
+            <a:extLst>
+              <a:ext uri="{FF2B5EF4-FFF2-40B4-BE49-F238E27FC236}">
+                <a16:creationId xmlns:a16="http://schemas.microsoft.com/office/drawing/2014/main" id="{0E45F4F0-9BFD-BFCD-3ED4-21504FD11556}"/>
+              </a:ext>
+            </a:extLst>
+          </p:cNvPr>
           <p:cNvSpPr txBox="1"/>
           <p:nvPr/>
         </p:nvSpPr>
         <p:spPr>
           <a:xfrm>
-            <a:off x="1007435" y="2372883"/>
-            <a:ext cx="1248139" cy="1077218"/>
+            <a:off x="0" y="4949828"/>
+            <a:ext cx="12192000" cy="646331"/>
           </a:xfrm>
           <a:prstGeom prst="rect">
             <a:avLst/>
@@ -5151,15 +4884,16 @@
           </a:bodyPr>
           <a:lstStyle/>
           <a:p>
-            <a:r>
-              <a:rPr lang="en-US" sz="6400" b="1" dirty="0">
+            <a:pPr algn="ctr"/>
+            <a:r>
+              <a:rPr lang="en-US" sz="3600" b="1" dirty="0">
                 <a:solidFill>
                   <a:srgbClr val="660033"/>
                 </a:solidFill>
               </a:rPr>
-              <a:t>2.</a:t>
-            </a:r>
-            <a:endParaRPr lang="vi-VN" sz="6400" b="1" dirty="0">
+              <a:t>( 2 / 3 )</a:t>
+            </a:r>
+            <a:endParaRPr lang="vi-VN" sz="3600" b="1" dirty="0">
               <a:solidFill>
                 <a:srgbClr val="660033"/>
               </a:solidFill>
@@ -5177,13 +4911,6 @@
   <p:clrMapOvr>
     <a:masterClrMapping/>
   </p:clrMapOvr>
-  <p:timing>
-    <p:tnLst>
-      <p:par>
-        <p:cTn id="1" dur="indefinite" restart="never" nodeType="tmRoot"/>
-      </p:par>
-    </p:tnLst>
-  </p:timing>
 </p:sld>
 </file>
 
@@ -5237,17 +4964,7 @@
                 <a:latin typeface="Microsoft JhengHei" pitchFamily="34" charset="-120"/>
                 <a:ea typeface="Microsoft JhengHei" pitchFamily="34" charset="-120"/>
               </a:rPr>
-              <a:t>取來舊布作襁</a:t>
-            </a:r>
-            <a:r>
-              <a:rPr lang="zh-TW" altLang="en-US" sz="6400" b="1" dirty="0">
-                <a:solidFill>
-                  <a:srgbClr val="660033"/>
-                </a:solidFill>
-                <a:latin typeface="Microsoft JhengHei" pitchFamily="34" charset="-120"/>
-                <a:ea typeface="Microsoft JhengHei" pitchFamily="34" charset="-120"/>
-              </a:rPr>
-              <a:t>褓</a:t>
+              <a:t>取來舊布作襁褓</a:t>
             </a:r>
             <a:endParaRPr lang="en-US" altLang="zh-TW" sz="6400" b="1" dirty="0">
               <a:solidFill>
@@ -5269,17 +4986,7 @@
                 <a:latin typeface="Microsoft JhengHei" pitchFamily="34" charset="-120"/>
                 <a:ea typeface="Microsoft JhengHei" pitchFamily="34" charset="-120"/>
               </a:rPr>
-              <a:t>馬</a:t>
-            </a:r>
-            <a:r>
-              <a:rPr lang="zh-TW" altLang="en-US" sz="6400" b="1" dirty="0">
-                <a:solidFill>
-                  <a:srgbClr val="660033"/>
-                </a:solidFill>
-                <a:latin typeface="Microsoft JhengHei" pitchFamily="34" charset="-120"/>
-                <a:ea typeface="Microsoft JhengHei" pitchFamily="34" charset="-120"/>
-              </a:rPr>
-              <a:t>槽權當育兒床</a:t>
+              <a:t>馬槽權當育兒床</a:t>
             </a:r>
             <a:endParaRPr lang="en-US" altLang="zh-TW" sz="6400" b="1" dirty="0">
               <a:solidFill>
@@ -5293,14 +5000,20 @@
       </p:sp>
       <p:sp>
         <p:nvSpPr>
-          <p:cNvPr id="3" name="TextBox 2"/>
+          <p:cNvPr id="2" name="TextBox 1">
+            <a:extLst>
+              <a:ext uri="{FF2B5EF4-FFF2-40B4-BE49-F238E27FC236}">
+                <a16:creationId xmlns:a16="http://schemas.microsoft.com/office/drawing/2014/main" id="{D2C681EC-B350-AAEE-799F-89CE5D924B9D}"/>
+              </a:ext>
+            </a:extLst>
+          </p:cNvPr>
           <p:cNvSpPr txBox="1"/>
           <p:nvPr/>
         </p:nvSpPr>
         <p:spPr>
           <a:xfrm>
-            <a:off x="1007435" y="2372883"/>
-            <a:ext cx="1248139" cy="1077218"/>
+            <a:off x="0" y="4949828"/>
+            <a:ext cx="12192000" cy="646331"/>
           </a:xfrm>
           <a:prstGeom prst="rect">
             <a:avLst/>
@@ -5313,15 +5026,16 @@
           </a:bodyPr>
           <a:lstStyle/>
           <a:p>
-            <a:r>
-              <a:rPr lang="en-US" sz="6400" b="1" dirty="0">
+            <a:pPr algn="ctr"/>
+            <a:r>
+              <a:rPr lang="en-US" sz="3600" b="1" dirty="0">
                 <a:solidFill>
                   <a:srgbClr val="660033"/>
                 </a:solidFill>
               </a:rPr>
-              <a:t>2.</a:t>
-            </a:r>
-            <a:endParaRPr lang="vi-VN" sz="6400" b="1" dirty="0">
+              <a:t>( 2 / 3 )</a:t>
+            </a:r>
+            <a:endParaRPr lang="vi-VN" sz="3600" b="1" dirty="0">
               <a:solidFill>
                 <a:srgbClr val="660033"/>
               </a:solidFill>
@@ -5339,13 +5053,6 @@
   <p:clrMapOvr>
     <a:masterClrMapping/>
   </p:clrMapOvr>
-  <p:timing>
-    <p:tnLst>
-      <p:par>
-        <p:cTn id="1" dur="indefinite" restart="never" nodeType="tmRoot"/>
-      </p:par>
-    </p:tnLst>
-  </p:timing>
 </p:sld>
 </file>
 
@@ -5399,17 +5106,7 @@
                 <a:latin typeface="Microsoft JhengHei" pitchFamily="34" charset="-120"/>
                 <a:ea typeface="Microsoft JhengHei" pitchFamily="34" charset="-120"/>
               </a:rPr>
-              <a:t>為欲救世拯陷</a:t>
-            </a:r>
-            <a:r>
-              <a:rPr lang="zh-TW" altLang="en-US" sz="6400" b="1" dirty="0">
-                <a:solidFill>
-                  <a:srgbClr val="660033"/>
-                </a:solidFill>
-                <a:latin typeface="Microsoft JhengHei" pitchFamily="34" charset="-120"/>
-                <a:ea typeface="Microsoft JhengHei" pitchFamily="34" charset="-120"/>
-              </a:rPr>
-              <a:t>溺</a:t>
+              <a:t>為欲救世拯陷溺</a:t>
             </a:r>
             <a:endParaRPr lang="en-US" altLang="zh-TW" sz="6400" b="1" dirty="0">
               <a:solidFill>
@@ -5431,17 +5128,7 @@
                 <a:latin typeface="Microsoft JhengHei" pitchFamily="34" charset="-120"/>
                 <a:ea typeface="Microsoft JhengHei" pitchFamily="34" charset="-120"/>
               </a:rPr>
-              <a:t>道</a:t>
-            </a:r>
-            <a:r>
-              <a:rPr lang="zh-TW" altLang="en-US" sz="6400" b="1" dirty="0">
-                <a:solidFill>
-                  <a:srgbClr val="660033"/>
-                </a:solidFill>
-                <a:latin typeface="Microsoft JhengHei" pitchFamily="34" charset="-120"/>
-                <a:ea typeface="Microsoft JhengHei" pitchFamily="34" charset="-120"/>
-              </a:rPr>
-              <a:t>成人身真理彰</a:t>
+              <a:t>道成人身真理彰</a:t>
             </a:r>
             <a:endParaRPr lang="en-US" altLang="zh-TW" sz="6400" b="1" dirty="0">
               <a:solidFill>
@@ -5455,14 +5142,20 @@
       </p:sp>
       <p:sp>
         <p:nvSpPr>
-          <p:cNvPr id="3" name="TextBox 2"/>
+          <p:cNvPr id="2" name="TextBox 1">
+            <a:extLst>
+              <a:ext uri="{FF2B5EF4-FFF2-40B4-BE49-F238E27FC236}">
+                <a16:creationId xmlns:a16="http://schemas.microsoft.com/office/drawing/2014/main" id="{396BB194-0098-09A6-B406-56CCA7D6FCE3}"/>
+              </a:ext>
+            </a:extLst>
+          </p:cNvPr>
           <p:cNvSpPr txBox="1"/>
           <p:nvPr/>
         </p:nvSpPr>
         <p:spPr>
           <a:xfrm>
-            <a:off x="1007435" y="2372883"/>
-            <a:ext cx="1248139" cy="1077218"/>
+            <a:off x="0" y="4949828"/>
+            <a:ext cx="12192000" cy="646331"/>
           </a:xfrm>
           <a:prstGeom prst="rect">
             <a:avLst/>
@@ -5475,15 +5168,16 @@
           </a:bodyPr>
           <a:lstStyle/>
           <a:p>
-            <a:r>
-              <a:rPr lang="en-US" sz="6400" b="1" dirty="0">
+            <a:pPr algn="ctr"/>
+            <a:r>
+              <a:rPr lang="en-US" sz="3600" b="1" dirty="0">
                 <a:solidFill>
                   <a:srgbClr val="660033"/>
                 </a:solidFill>
               </a:rPr>
-              <a:t>2.</a:t>
-            </a:r>
-            <a:endParaRPr lang="vi-VN" sz="6400" b="1" dirty="0">
+              <a:t>( 2 / 3 )</a:t>
+            </a:r>
+            <a:endParaRPr lang="vi-VN" sz="3600" b="1" dirty="0">
               <a:solidFill>
                 <a:srgbClr val="660033"/>
               </a:solidFill>
@@ -5501,13 +5195,6 @@
   <p:clrMapOvr>
     <a:masterClrMapping/>
   </p:clrMapOvr>
-  <p:timing>
-    <p:tnLst>
-      <p:par>
-        <p:cTn id="1" dur="indefinite" restart="never" nodeType="tmRoot"/>
-      </p:par>
-    </p:tnLst>
-  </p:timing>
 </p:sld>
 </file>
 
